--- a/Chapter 1/Results/Figures/figure_edits.pptx
+++ b/Chapter 1/Results/Figures/figure_edits.pptx
@@ -135,7 +135,7 @@
   <pc:docChgLst>
     <pc:chgData name="John Bennedick Quijano" userId="edb3d445-3dba-4f62-8077-bafdc7822d72" providerId="ADAL" clId="{88BE3594-5852-4948-B5EC-57594992936C}"/>
     <pc:docChg chg="undo redo custSel addSld delSld modSld modMainMaster">
-      <pc:chgData name="John Bennedick Quijano" userId="edb3d445-3dba-4f62-8077-bafdc7822d72" providerId="ADAL" clId="{88BE3594-5852-4948-B5EC-57594992936C}" dt="2024-04-30T13:34:56.832" v="1376" actId="1076"/>
+      <pc:chgData name="John Bennedick Quijano" userId="edb3d445-3dba-4f62-8077-bafdc7822d72" providerId="ADAL" clId="{88BE3594-5852-4948-B5EC-57594992936C}" dt="2024-05-02T06:41:06.363" v="1380" actId="1076"/>
       <pc:docMkLst>
         <pc:docMk/>
       </pc:docMkLst>
@@ -908,7 +908,7 @@
         </pc:picChg>
       </pc:sldChg>
       <pc:sldChg chg="addSp delSp modSp add mod">
-        <pc:chgData name="John Bennedick Quijano" userId="edb3d445-3dba-4f62-8077-bafdc7822d72" providerId="ADAL" clId="{88BE3594-5852-4948-B5EC-57594992936C}" dt="2024-04-30T13:34:56.832" v="1376" actId="1076"/>
+        <pc:chgData name="John Bennedick Quijano" userId="edb3d445-3dba-4f62-8077-bafdc7822d72" providerId="ADAL" clId="{88BE3594-5852-4948-B5EC-57594992936C}" dt="2024-05-02T06:41:06.363" v="1380" actId="1076"/>
         <pc:sldMkLst>
           <pc:docMk/>
           <pc:sldMk cId="3846932050" sldId="264"/>
@@ -938,7 +938,7 @@
           </ac:spMkLst>
         </pc:spChg>
         <pc:spChg chg="mod topLvl">
-          <ac:chgData name="John Bennedick Quijano" userId="edb3d445-3dba-4f62-8077-bafdc7822d72" providerId="ADAL" clId="{88BE3594-5852-4948-B5EC-57594992936C}" dt="2024-04-30T13:33:40.418" v="1371" actId="403"/>
+          <ac:chgData name="John Bennedick Quijano" userId="edb3d445-3dba-4f62-8077-bafdc7822d72" providerId="ADAL" clId="{88BE3594-5852-4948-B5EC-57594992936C}" dt="2024-05-02T06:41:06.363" v="1380" actId="1076"/>
           <ac:spMkLst>
             <pc:docMk/>
             <pc:sldMk cId="3846932050" sldId="264"/>
@@ -954,7 +954,7 @@
           </ac:spMkLst>
         </pc:spChg>
         <pc:spChg chg="mod topLvl">
-          <ac:chgData name="John Bennedick Quijano" userId="edb3d445-3dba-4f62-8077-bafdc7822d72" providerId="ADAL" clId="{88BE3594-5852-4948-B5EC-57594992936C}" dt="2024-04-30T13:33:52.051" v="1373" actId="14100"/>
+          <ac:chgData name="John Bennedick Quijano" userId="edb3d445-3dba-4f62-8077-bafdc7822d72" providerId="ADAL" clId="{88BE3594-5852-4948-B5EC-57594992936C}" dt="2024-05-02T06:41:06.363" v="1380" actId="1076"/>
           <ac:spMkLst>
             <pc:docMk/>
             <pc:sldMk cId="3846932050" sldId="264"/>
@@ -970,7 +970,7 @@
           </ac:spMkLst>
         </pc:spChg>
         <pc:spChg chg="add mod topLvl">
-          <ac:chgData name="John Bennedick Quijano" userId="edb3d445-3dba-4f62-8077-bafdc7822d72" providerId="ADAL" clId="{88BE3594-5852-4948-B5EC-57594992936C}" dt="2024-04-30T13:33:37.396" v="1368" actId="403"/>
+          <ac:chgData name="John Bennedick Quijano" userId="edb3d445-3dba-4f62-8077-bafdc7822d72" providerId="ADAL" clId="{88BE3594-5852-4948-B5EC-57594992936C}" dt="2024-05-02T06:41:06.363" v="1380" actId="1076"/>
           <ac:spMkLst>
             <pc:docMk/>
             <pc:sldMk cId="3846932050" sldId="264"/>
@@ -994,7 +994,7 @@
           </ac:spMkLst>
         </pc:spChg>
         <pc:spChg chg="add mod topLvl">
-          <ac:chgData name="John Bennedick Quijano" userId="edb3d445-3dba-4f62-8077-bafdc7822d72" providerId="ADAL" clId="{88BE3594-5852-4948-B5EC-57594992936C}" dt="2024-04-30T13:34:56.832" v="1376" actId="1076"/>
+          <ac:chgData name="John Bennedick Quijano" userId="edb3d445-3dba-4f62-8077-bafdc7822d72" providerId="ADAL" clId="{88BE3594-5852-4948-B5EC-57594992936C}" dt="2024-05-02T06:41:06.363" v="1380" actId="1076"/>
           <ac:spMkLst>
             <pc:docMk/>
             <pc:sldMk cId="3846932050" sldId="264"/>
@@ -1002,7 +1002,7 @@
           </ac:spMkLst>
         </pc:spChg>
         <pc:spChg chg="add mod topLvl">
-          <ac:chgData name="John Bennedick Quijano" userId="edb3d445-3dba-4f62-8077-bafdc7822d72" providerId="ADAL" clId="{88BE3594-5852-4948-B5EC-57594992936C}" dt="2024-04-30T13:32:34.796" v="1351" actId="1076"/>
+          <ac:chgData name="John Bennedick Quijano" userId="edb3d445-3dba-4f62-8077-bafdc7822d72" providerId="ADAL" clId="{88BE3594-5852-4948-B5EC-57594992936C}" dt="2024-05-02T06:41:06.363" v="1380" actId="1076"/>
           <ac:spMkLst>
             <pc:docMk/>
             <pc:sldMk cId="3846932050" sldId="264"/>
@@ -1010,7 +1010,7 @@
           </ac:spMkLst>
         </pc:spChg>
         <pc:spChg chg="add mod ord">
-          <ac:chgData name="John Bennedick Quijano" userId="edb3d445-3dba-4f62-8077-bafdc7822d72" providerId="ADAL" clId="{88BE3594-5852-4948-B5EC-57594992936C}" dt="2024-04-30T13:32:14.849" v="1347" actId="20577"/>
+          <ac:chgData name="John Bennedick Quijano" userId="edb3d445-3dba-4f62-8077-bafdc7822d72" providerId="ADAL" clId="{88BE3594-5852-4948-B5EC-57594992936C}" dt="2024-05-02T06:41:06.363" v="1380" actId="1076"/>
           <ac:spMkLst>
             <pc:docMk/>
             <pc:sldMk cId="3846932050" sldId="264"/>
@@ -1018,7 +1018,7 @@
           </ac:spMkLst>
         </pc:spChg>
         <pc:spChg chg="add mod">
-          <ac:chgData name="John Bennedick Quijano" userId="edb3d445-3dba-4f62-8077-bafdc7822d72" providerId="ADAL" clId="{88BE3594-5852-4948-B5EC-57594992936C}" dt="2024-04-30T13:32:52.216" v="1355" actId="14100"/>
+          <ac:chgData name="John Bennedick Quijano" userId="edb3d445-3dba-4f62-8077-bafdc7822d72" providerId="ADAL" clId="{88BE3594-5852-4948-B5EC-57594992936C}" dt="2024-05-02T06:41:06.363" v="1380" actId="1076"/>
           <ac:spMkLst>
             <pc:docMk/>
             <pc:sldMk cId="3846932050" sldId="264"/>
@@ -1066,7 +1066,7 @@
           </ac:picMkLst>
         </pc:picChg>
         <pc:picChg chg="mod topLvl">
-          <ac:chgData name="John Bennedick Quijano" userId="edb3d445-3dba-4f62-8077-bafdc7822d72" providerId="ADAL" clId="{88BE3594-5852-4948-B5EC-57594992936C}" dt="2024-04-30T13:33:03.596" v="1357" actId="1038"/>
+          <ac:chgData name="John Bennedick Quijano" userId="edb3d445-3dba-4f62-8077-bafdc7822d72" providerId="ADAL" clId="{88BE3594-5852-4948-B5EC-57594992936C}" dt="2024-05-02T06:41:06.363" v="1380" actId="1076"/>
           <ac:picMkLst>
             <pc:docMk/>
             <pc:sldMk cId="3846932050" sldId="264"/>
@@ -1074,7 +1074,7 @@
           </ac:picMkLst>
         </pc:picChg>
         <pc:picChg chg="mod topLvl">
-          <ac:chgData name="John Bennedick Quijano" userId="edb3d445-3dba-4f62-8077-bafdc7822d72" providerId="ADAL" clId="{88BE3594-5852-4948-B5EC-57594992936C}" dt="2024-04-30T13:32:34.796" v="1351" actId="1076"/>
+          <ac:chgData name="John Bennedick Quijano" userId="edb3d445-3dba-4f62-8077-bafdc7822d72" providerId="ADAL" clId="{88BE3594-5852-4948-B5EC-57594992936C}" dt="2024-05-02T06:41:06.363" v="1380" actId="1076"/>
           <ac:picMkLst>
             <pc:docMk/>
             <pc:sldMk cId="3846932050" sldId="264"/>
@@ -1098,7 +1098,7 @@
           </ac:picMkLst>
         </pc:picChg>
         <pc:picChg chg="mod topLvl">
-          <ac:chgData name="John Bennedick Quijano" userId="edb3d445-3dba-4f62-8077-bafdc7822d72" providerId="ADAL" clId="{88BE3594-5852-4948-B5EC-57594992936C}" dt="2024-04-30T13:34:01.333" v="1375" actId="1076"/>
+          <ac:chgData name="John Bennedick Quijano" userId="edb3d445-3dba-4f62-8077-bafdc7822d72" providerId="ADAL" clId="{88BE3594-5852-4948-B5EC-57594992936C}" dt="2024-05-02T06:41:06.363" v="1380" actId="1076"/>
           <ac:picMkLst>
             <pc:docMk/>
             <pc:sldMk cId="3846932050" sldId="264"/>
@@ -1106,7 +1106,7 @@
           </ac:picMkLst>
         </pc:picChg>
         <pc:picChg chg="add mod topLvl">
-          <ac:chgData name="John Bennedick Quijano" userId="edb3d445-3dba-4f62-8077-bafdc7822d72" providerId="ADAL" clId="{88BE3594-5852-4948-B5EC-57594992936C}" dt="2024-04-30T13:31:00.115" v="1305" actId="1076"/>
+          <ac:chgData name="John Bennedick Quijano" userId="edb3d445-3dba-4f62-8077-bafdc7822d72" providerId="ADAL" clId="{88BE3594-5852-4948-B5EC-57594992936C}" dt="2024-05-02T06:41:06.363" v="1380" actId="1076"/>
           <ac:picMkLst>
             <pc:docMk/>
             <pc:sldMk cId="3846932050" sldId="264"/>
@@ -1114,7 +1114,7 @@
           </ac:picMkLst>
         </pc:picChg>
         <pc:picChg chg="add mod topLvl">
-          <ac:chgData name="John Bennedick Quijano" userId="edb3d445-3dba-4f62-8077-bafdc7822d72" providerId="ADAL" clId="{88BE3594-5852-4948-B5EC-57594992936C}" dt="2024-04-30T13:32:34.796" v="1351" actId="1076"/>
+          <ac:chgData name="John Bennedick Quijano" userId="edb3d445-3dba-4f62-8077-bafdc7822d72" providerId="ADAL" clId="{88BE3594-5852-4948-B5EC-57594992936C}" dt="2024-05-02T06:41:06.363" v="1380" actId="1076"/>
           <ac:picMkLst>
             <pc:docMk/>
             <pc:sldMk cId="3846932050" sldId="264"/>
@@ -1130,7 +1130,7 @@
           </ac:picMkLst>
         </pc:picChg>
         <pc:picChg chg="add mod topLvl">
-          <ac:chgData name="John Bennedick Quijano" userId="edb3d445-3dba-4f62-8077-bafdc7822d72" providerId="ADAL" clId="{88BE3594-5852-4948-B5EC-57594992936C}" dt="2024-04-30T13:32:34.796" v="1351" actId="1076"/>
+          <ac:chgData name="John Bennedick Quijano" userId="edb3d445-3dba-4f62-8077-bafdc7822d72" providerId="ADAL" clId="{88BE3594-5852-4948-B5EC-57594992936C}" dt="2024-05-02T06:41:06.363" v="1380" actId="1076"/>
           <ac:picMkLst>
             <pc:docMk/>
             <pc:sldMk cId="3846932050" sldId="264"/>
@@ -1138,7 +1138,7 @@
           </ac:picMkLst>
         </pc:picChg>
         <pc:picChg chg="add mod topLvl">
-          <ac:chgData name="John Bennedick Quijano" userId="edb3d445-3dba-4f62-8077-bafdc7822d72" providerId="ADAL" clId="{88BE3594-5852-4948-B5EC-57594992936C}" dt="2024-04-30T13:30:00.844" v="1285" actId="165"/>
+          <ac:chgData name="John Bennedick Quijano" userId="edb3d445-3dba-4f62-8077-bafdc7822d72" providerId="ADAL" clId="{88BE3594-5852-4948-B5EC-57594992936C}" dt="2024-05-02T06:41:06.363" v="1380" actId="1076"/>
           <ac:picMkLst>
             <pc:docMk/>
             <pc:sldMk cId="3846932050" sldId="264"/>
@@ -1336,7 +1336,7 @@
           <a:p>
             <a:fld id="{B77083F6-42ED-4609-9758-694D7A09F61E}" type="datetimeFigureOut">
               <a:rPr lang="en-PH" smtClean="0"/>
-              <a:t>30/04/2024</a:t>
+              <a:t>02/05/2024</a:t>
             </a:fld>
             <a:endParaRPr lang="en-PH"/>
           </a:p>
@@ -1921,7 +1921,7 @@
           <a:p>
             <a:fld id="{229C0662-A69D-4B7E-AF68-4F557B6EC3B8}" type="datetimeFigureOut">
               <a:rPr lang="en-PH" smtClean="0"/>
-              <a:t>30/04/2024</a:t>
+              <a:t>02/05/2024</a:t>
             </a:fld>
             <a:endParaRPr lang="en-PH"/>
           </a:p>
@@ -2121,7 +2121,7 @@
           <a:p>
             <a:fld id="{229C0662-A69D-4B7E-AF68-4F557B6EC3B8}" type="datetimeFigureOut">
               <a:rPr lang="en-PH" smtClean="0"/>
-              <a:t>30/04/2024</a:t>
+              <a:t>02/05/2024</a:t>
             </a:fld>
             <a:endParaRPr lang="en-PH"/>
           </a:p>
@@ -2331,7 +2331,7 @@
           <a:p>
             <a:fld id="{229C0662-A69D-4B7E-AF68-4F557B6EC3B8}" type="datetimeFigureOut">
               <a:rPr lang="en-PH" smtClean="0"/>
-              <a:t>30/04/2024</a:t>
+              <a:t>02/05/2024</a:t>
             </a:fld>
             <a:endParaRPr lang="en-PH"/>
           </a:p>
@@ -2531,7 +2531,7 @@
           <a:p>
             <a:fld id="{229C0662-A69D-4B7E-AF68-4F557B6EC3B8}" type="datetimeFigureOut">
               <a:rPr lang="en-PH" smtClean="0"/>
-              <a:t>30/04/2024</a:t>
+              <a:t>02/05/2024</a:t>
             </a:fld>
             <a:endParaRPr lang="en-PH"/>
           </a:p>
@@ -2807,7 +2807,7 @@
           <a:p>
             <a:fld id="{229C0662-A69D-4B7E-AF68-4F557B6EC3B8}" type="datetimeFigureOut">
               <a:rPr lang="en-PH" smtClean="0"/>
-              <a:t>30/04/2024</a:t>
+              <a:t>02/05/2024</a:t>
             </a:fld>
             <a:endParaRPr lang="en-PH"/>
           </a:p>
@@ -3075,7 +3075,7 @@
           <a:p>
             <a:fld id="{229C0662-A69D-4B7E-AF68-4F557B6EC3B8}" type="datetimeFigureOut">
               <a:rPr lang="en-PH" smtClean="0"/>
-              <a:t>30/04/2024</a:t>
+              <a:t>02/05/2024</a:t>
             </a:fld>
             <a:endParaRPr lang="en-PH"/>
           </a:p>
@@ -3490,7 +3490,7 @@
           <a:p>
             <a:fld id="{229C0662-A69D-4B7E-AF68-4F557B6EC3B8}" type="datetimeFigureOut">
               <a:rPr lang="en-PH" smtClean="0"/>
-              <a:t>30/04/2024</a:t>
+              <a:t>02/05/2024</a:t>
             </a:fld>
             <a:endParaRPr lang="en-PH"/>
           </a:p>
@@ -3632,7 +3632,7 @@
           <a:p>
             <a:fld id="{229C0662-A69D-4B7E-AF68-4F557B6EC3B8}" type="datetimeFigureOut">
               <a:rPr lang="en-PH" smtClean="0"/>
-              <a:t>30/04/2024</a:t>
+              <a:t>02/05/2024</a:t>
             </a:fld>
             <a:endParaRPr lang="en-PH"/>
           </a:p>
@@ -3745,7 +3745,7 @@
           <a:p>
             <a:fld id="{229C0662-A69D-4B7E-AF68-4F557B6EC3B8}" type="datetimeFigureOut">
               <a:rPr lang="en-PH" smtClean="0"/>
-              <a:t>30/04/2024</a:t>
+              <a:t>02/05/2024</a:t>
             </a:fld>
             <a:endParaRPr lang="en-PH"/>
           </a:p>
@@ -4058,7 +4058,7 @@
           <a:p>
             <a:fld id="{229C0662-A69D-4B7E-AF68-4F557B6EC3B8}" type="datetimeFigureOut">
               <a:rPr lang="en-PH" smtClean="0"/>
-              <a:t>30/04/2024</a:t>
+              <a:t>02/05/2024</a:t>
             </a:fld>
             <a:endParaRPr lang="en-PH"/>
           </a:p>
@@ -4347,7 +4347,7 @@
           <a:p>
             <a:fld id="{229C0662-A69D-4B7E-AF68-4F557B6EC3B8}" type="datetimeFigureOut">
               <a:rPr lang="en-PH" smtClean="0"/>
-              <a:t>30/04/2024</a:t>
+              <a:t>02/05/2024</a:t>
             </a:fld>
             <a:endParaRPr lang="en-PH"/>
           </a:p>
@@ -4595,7 +4595,7 @@
           <a:p>
             <a:fld id="{229C0662-A69D-4B7E-AF68-4F557B6EC3B8}" type="datetimeFigureOut">
               <a:rPr lang="en-PH" smtClean="0"/>
-              <a:t>30/04/2024</a:t>
+              <a:t>02/05/2024</a:t>
             </a:fld>
             <a:endParaRPr lang="en-PH"/>
           </a:p>
@@ -7950,7 +7950,7 @@
         </p:nvSpPr>
         <p:spPr>
           <a:xfrm>
-            <a:off x="1772403" y="-1739900"/>
+            <a:off x="2187951" y="-1562100"/>
             <a:ext cx="8070098" cy="9702800"/>
           </a:xfrm>
           <a:prstGeom prst="rect">
@@ -8015,7 +8015,7 @@
         </p:blipFill>
         <p:spPr>
           <a:xfrm>
-            <a:off x="4306060" y="2926392"/>
+            <a:off x="4721608" y="3104192"/>
             <a:ext cx="878636" cy="679568"/>
           </a:xfrm>
           <a:prstGeom prst="rect">
@@ -8037,7 +8037,7 @@
         </p:nvSpPr>
         <p:spPr>
           <a:xfrm>
-            <a:off x="2125196" y="4784664"/>
+            <a:off x="2540744" y="4962464"/>
             <a:ext cx="782587" cy="276999"/>
           </a:xfrm>
           <a:prstGeom prst="rect">
@@ -8093,7 +8093,7 @@
         </p:blipFill>
         <p:spPr>
           <a:xfrm>
-            <a:off x="1935618" y="5024034"/>
+            <a:off x="2351166" y="5201834"/>
             <a:ext cx="2396691" cy="2709333"/>
           </a:xfrm>
           <a:prstGeom prst="rect">
@@ -8128,7 +8128,7 @@
         </p:blipFill>
         <p:spPr>
           <a:xfrm>
-            <a:off x="5448886" y="5024033"/>
+            <a:off x="5864434" y="5201833"/>
             <a:ext cx="4076940" cy="2709333"/>
           </a:xfrm>
           <a:prstGeom prst="rect">
@@ -8163,7 +8163,7 @@
         </p:blipFill>
         <p:spPr>
           <a:xfrm>
-            <a:off x="1925993" y="1916442"/>
+            <a:off x="2341541" y="2094242"/>
             <a:ext cx="2261937" cy="2709333"/>
           </a:xfrm>
           <a:prstGeom prst="rect">
@@ -8198,7 +8198,7 @@
         </p:blipFill>
         <p:spPr>
           <a:xfrm>
-            <a:off x="5432972" y="1916442"/>
+            <a:off x="5848520" y="2094242"/>
             <a:ext cx="4076940" cy="2709333"/>
           </a:xfrm>
           <a:prstGeom prst="rect">
@@ -8220,7 +8220,7 @@
         </p:nvSpPr>
         <p:spPr>
           <a:xfrm>
-            <a:off x="2132662" y="1639774"/>
+            <a:off x="2548210" y="1817574"/>
             <a:ext cx="994183" cy="276999"/>
           </a:xfrm>
           <a:prstGeom prst="rect">
@@ -8283,7 +8283,7 @@
         </p:blipFill>
         <p:spPr>
           <a:xfrm>
-            <a:off x="5460885" y="-1282489"/>
+            <a:off x="5876433" y="-1104689"/>
             <a:ext cx="4049027" cy="2709333"/>
           </a:xfrm>
           <a:prstGeom prst="rect">
@@ -8318,7 +8318,7 @@
         </p:blipFill>
         <p:spPr>
           <a:xfrm>
-            <a:off x="1903436" y="-1282489"/>
+            <a:off x="2318984" y="-1104689"/>
             <a:ext cx="3339966" cy="2709333"/>
           </a:xfrm>
           <a:prstGeom prst="rect">
@@ -8340,7 +8340,7 @@
         </p:nvSpPr>
         <p:spPr>
           <a:xfrm>
-            <a:off x="2069834" y="-1559488"/>
+            <a:off x="2485382" y="-1381688"/>
             <a:ext cx="952505" cy="276999"/>
           </a:xfrm>
           <a:prstGeom prst="rect">
@@ -8390,7 +8390,7 @@
         </p:nvSpPr>
         <p:spPr>
           <a:xfrm>
-            <a:off x="6813368" y="-1528710"/>
+            <a:off x="7228916" y="-1350910"/>
             <a:ext cx="1710726" cy="246221"/>
           </a:xfrm>
           <a:prstGeom prst="rect">
@@ -8435,7 +8435,7 @@
         </p:nvSpPr>
         <p:spPr>
           <a:xfrm>
-            <a:off x="1766899" y="-1638301"/>
+            <a:off x="2182447" y="-1460501"/>
             <a:ext cx="301547" cy="9601201"/>
           </a:xfrm>
           <a:prstGeom prst="rect">
@@ -8487,7 +8487,7 @@
         </p:nvSpPr>
         <p:spPr>
           <a:xfrm rot="16200000">
-            <a:off x="-507748" y="3224070"/>
+            <a:off x="-92200" y="3401870"/>
             <a:ext cx="4846668" cy="215444"/>
           </a:xfrm>
           <a:prstGeom prst="rect">
